--- a/Presentation/ASPNET-in-Production/ASPNET-in-Production.pptx
+++ b/Presentation/ASPNET-in-Production/ASPNET-in-Production.pptx
@@ -911,7 +911,7 @@
           <a:p>
             <a:pPr defTabSz="932929" eaLnBrk="0" hangingPunct="0"/>
             <a:r>
-              <a:rPr lang="en-US" sz="400" smtClean="0">
+              <a:rPr lang="en-US" sz="400" dirty="0" smtClean="0">
                 <a:gradFill>
                   <a:gsLst>
                     <a:gs pos="0">
@@ -927,13 +927,51 @@
                 <a:ea typeface="Segoe UI" pitchFamily="34" charset="0"/>
                 <a:cs typeface="Segoe UI" pitchFamily="34" charset="0"/>
               </a:rPr>
-              <a:t>© 2012 Microsoft Corporation. All rights reserved. Microsoft, Windows, and other product names are or may be registered trademarks and/or trademarks in the U.S. and/or other countries.</a:t>
+              <a:t>© 2012 Microsoft Corporation. All rights reserved. Microsoft, </a:t>
+            </a:r>
+            <a:r>
+              <a:rPr lang="en-US" sz="400" dirty="0" smtClean="0">
+                <a:gradFill>
+                  <a:gsLst>
+                    <a:gs pos="0">
+                      <a:prstClr val="black"/>
+                    </a:gs>
+                    <a:gs pos="100000">
+                      <a:prstClr val="black"/>
+                    </a:gs>
+                  </a:gsLst>
+                  <a:lin ang="5400000" scaled="0"/>
+                </a:gradFill>
+                <a:latin typeface="Segoe UI" pitchFamily="34" charset="0"/>
+                <a:ea typeface="Segoe UI" pitchFamily="34" charset="0"/>
+                <a:cs typeface="Segoe UI" pitchFamily="34" charset="0"/>
+              </a:rPr>
+              <a:t>Microsoft, </a:t>
+            </a:r>
+            <a:r>
+              <a:rPr lang="en-US" sz="400" dirty="0" smtClean="0">
+                <a:gradFill>
+                  <a:gsLst>
+                    <a:gs pos="0">
+                      <a:prstClr val="black"/>
+                    </a:gs>
+                    <a:gs pos="100000">
+                      <a:prstClr val="black"/>
+                    </a:gs>
+                  </a:gsLst>
+                  <a:lin ang="5400000" scaled="0"/>
+                </a:gradFill>
+                <a:latin typeface="Segoe UI" pitchFamily="34" charset="0"/>
+                <a:ea typeface="Segoe UI" pitchFamily="34" charset="0"/>
+                <a:cs typeface="Segoe UI" pitchFamily="34" charset="0"/>
+              </a:rPr>
+              <a:t>and other product names are or may be registered trademarks and/or trademarks in the U.S. and/or other countries.</a:t>
             </a:r>
           </a:p>
           <a:p>
             <a:pPr defTabSz="932929" eaLnBrk="0" hangingPunct="0"/>
             <a:r>
-              <a:rPr lang="en-US" sz="400" smtClean="0">
+              <a:rPr lang="en-US" sz="400" dirty="0" smtClean="0">
                 <a:gradFill>
                   <a:gsLst>
                     <a:gs pos="0">
@@ -951,22 +989,6 @@
               </a:rPr>
               <a:t>The information herein is for informational purposes only and represents the current view of Microsoft Corporation as of the date of this presentation.  Because Microsoft must respond to changing market conditions, it should not be interpreted to be a commitment on the part of Microsoft, and Microsoft cannot guarantee the accuracy of any information provided after the date of this presentation.  MICROSOFT MAKES NO WARRANTIES, EXPRESS, IMPLIED OR STATUTORY, AS TO THE INFORMATION IN THIS PRESENTATION.</a:t>
             </a:r>
-            <a:endParaRPr lang="en-US" sz="400" dirty="0" smtClean="0">
-              <a:gradFill>
-                <a:gsLst>
-                  <a:gs pos="0">
-                    <a:prstClr val="black"/>
-                  </a:gs>
-                  <a:gs pos="100000">
-                    <a:prstClr val="black"/>
-                  </a:gs>
-                </a:gsLst>
-                <a:lin ang="5400000" scaled="0"/>
-              </a:gradFill>
-              <a:latin typeface="Segoe UI" pitchFamily="34" charset="0"/>
-              <a:ea typeface="Segoe UI" pitchFamily="34" charset="0"/>
-              <a:cs typeface="Segoe UI" pitchFamily="34" charset="0"/>
-            </a:endParaRPr>
           </a:p>
         </p:txBody>
       </p:sp>
@@ -2616,7 +2638,41 @@
                 </a:gradFill>
                 <a:cs typeface="Segoe UI" pitchFamily="34" charset="0"/>
               </a:rPr>
-              <a:t>© 2012 Microsoft Corporation. All rights reserved. Microsoft, Windows, Windows Vista and other product names are or may be registered trademarks and/or trademarks in the U.S. and/or other countries.</a:t>
+              <a:t>© 2012 Microsoft Corporation. All rights reserved. Microsoft, </a:t>
+            </a:r>
+            <a:r>
+              <a:rPr lang="en-US" sz="686" dirty="0" smtClean="0">
+                <a:gradFill>
+                  <a:gsLst>
+                    <a:gs pos="0">
+                      <a:srgbClr val="FFFFFF"/>
+                    </a:gs>
+                    <a:gs pos="100000">
+                      <a:srgbClr val="FFFFFF"/>
+                    </a:gs>
+                  </a:gsLst>
+                  <a:lin ang="5400000" scaled="0"/>
+                </a:gradFill>
+                <a:cs typeface="Segoe UI" pitchFamily="34" charset="0"/>
+              </a:rPr>
+              <a:t>Microsoft, Microsoft </a:t>
+            </a:r>
+            <a:r>
+              <a:rPr lang="en-US" sz="686" dirty="0">
+                <a:gradFill>
+                  <a:gsLst>
+                    <a:gs pos="0">
+                      <a:srgbClr val="FFFFFF"/>
+                    </a:gs>
+                    <a:gs pos="100000">
+                      <a:srgbClr val="FFFFFF"/>
+                    </a:gs>
+                  </a:gsLst>
+                  <a:lin ang="5400000" scaled="0"/>
+                </a:gradFill>
+                <a:cs typeface="Segoe UI" pitchFamily="34" charset="0"/>
+              </a:rPr>
+              <a:t>Vista and other product names are or may be registered trademarks and/or trademarks in the U.S. and/or other countries.</a:t>
             </a:r>
           </a:p>
           <a:p>
@@ -14486,7 +14542,58 @@
                 </a:gradFill>
                 <a:cs typeface="Segoe UI" pitchFamily="34" charset="0"/>
               </a:rPr>
-              <a:t>© 2012 Microsoft Corporation. All rights reserved. Microsoft, Windows, Windows Vista and other product names are or may be registered trademarks and/or trademarks in the U.S. and/or other countries.</a:t>
+              <a:t>© 2012 Microsoft Corporation. All rights reserved. Microsoft, </a:t>
+            </a:r>
+            <a:r>
+              <a:rPr lang="en-US" sz="686" dirty="0" smtClean="0">
+                <a:gradFill>
+                  <a:gsLst>
+                    <a:gs pos="0">
+                      <a:srgbClr val="FFFFFF"/>
+                    </a:gs>
+                    <a:gs pos="100000">
+                      <a:srgbClr val="FFFFFF"/>
+                    </a:gs>
+                  </a:gsLst>
+                  <a:lin ang="5400000" scaled="0"/>
+                </a:gradFill>
+                <a:cs typeface="Segoe UI" pitchFamily="34" charset="0"/>
+              </a:rPr>
+              <a:t>Microsoft</a:t>
+            </a:r>
+            <a:r>
+              <a:rPr lang="en-US" sz="686" smtClean="0">
+                <a:gradFill>
+                  <a:gsLst>
+                    <a:gs pos="0">
+                      <a:srgbClr val="FFFFFF"/>
+                    </a:gs>
+                    <a:gs pos="100000">
+                      <a:srgbClr val="FFFFFF"/>
+                    </a:gs>
+                  </a:gsLst>
+                  <a:lin ang="5400000" scaled="0"/>
+                </a:gradFill>
+                <a:cs typeface="Segoe UI" pitchFamily="34" charset="0"/>
+              </a:rPr>
+              <a:t>, Microsoft </a:t>
+            </a:r>
+            <a:r>
+              <a:rPr lang="en-US" sz="686" dirty="0">
+                <a:gradFill>
+                  <a:gsLst>
+                    <a:gs pos="0">
+                      <a:srgbClr val="FFFFFF"/>
+                    </a:gs>
+                    <a:gs pos="100000">
+                      <a:srgbClr val="FFFFFF"/>
+                    </a:gs>
+                  </a:gsLst>
+                  <a:lin ang="5400000" scaled="0"/>
+                </a:gradFill>
+                <a:cs typeface="Segoe UI" pitchFamily="34" charset="0"/>
+              </a:rPr>
+              <a:t>Vista and other product names are or may be registered trademarks and/or trademarks in the U.S. and/or other countries.</a:t>
             </a:r>
           </a:p>
           <a:p>
@@ -21523,11 +21630,11 @@
             </a:r>
             <a:r>
               <a:rPr lang="en-US" dirty="0" smtClean="0"/>
-              <a:t>Microsoft Azure </a:t>
+              <a:t>Microsoft </a:t>
             </a:r>
             <a:r>
               <a:rPr lang="en-US" dirty="0" smtClean="0"/>
-              <a:t>Caching Service.</a:t>
+              <a:t>Azure Caching Service.</a:t>
             </a:r>
             <a:endParaRPr lang="en-US" dirty="0"/>
           </a:p>
@@ -24055,11 +24162,11 @@
             </a:r>
             <a:r>
               <a:rPr lang="en-US" dirty="0" smtClean="0"/>
-              <a:t>Microsoft Azure </a:t>
+              <a:t>Microsoft </a:t>
             </a:r>
             <a:r>
               <a:rPr lang="en-US" dirty="0" smtClean="0"/>
-              <a:t>services.</a:t>
+              <a:t>Azure services.</a:t>
             </a:r>
             <a:endParaRPr lang="en-US" dirty="0"/>
           </a:p>
@@ -24187,11 +24294,11 @@
             </a:r>
             <a:r>
               <a:rPr lang="en-US" dirty="0" smtClean="0"/>
-              <a:t>Microsoft Azure </a:t>
+              <a:t>Microsoft </a:t>
             </a:r>
             <a:r>
               <a:rPr lang="en-US" dirty="0" smtClean="0"/>
-              <a:t>Active Directory</a:t>
+              <a:t>Azure Active Directory</a:t>
             </a:r>
             <a:endParaRPr lang="en-US" dirty="0"/>
           </a:p>
@@ -24721,11 +24828,11 @@
             </a:r>
             <a:r>
               <a:rPr lang="en-US" dirty="0" smtClean="0"/>
-              <a:t>Microsoft Azure </a:t>
+              <a:t>Microsoft </a:t>
             </a:r>
             <a:r>
               <a:rPr lang="en-US" dirty="0" smtClean="0"/>
-              <a:t>Web Sites or VM images.</a:t>
+              <a:t>Azure Web Sites or VM images.</a:t>
             </a:r>
           </a:p>
           <a:p>

--- a/Presentation/ASPNET-in-Production/ASPNET-in-Production.pptx
+++ b/Presentation/ASPNET-in-Production/ASPNET-in-Production.pptx
@@ -157,6 +157,9 @@
     <p:ext uri="{EFAFB233-063F-42B5-8137-9DF3F51BA10A}">
       <p15:sldGuideLst xmlns:p15="http://schemas.microsoft.com/office/powerpoint/2012/main"/>
     </p:ext>
+    <p:ext uri="{2D200454-40CA-4A62-9FC3-DE9A4176ACB9}">
+      <p15:notesGuideLst xmlns:p15="http://schemas.microsoft.com/office/powerpoint/2012/main"/>
+    </p:ext>
   </p:extLst>
 </p:presentation>
 </file>
@@ -243,7 +246,7 @@
           <a:p>
             <a:fld id="{0E990FE3-7537-4D15-A9F5-FDF1805FD5F8}" type="datetimeFigureOut">
               <a:rPr lang="en-US" smtClean="0"/>
-              <a:t>10/3/2014</a:t>
+              <a:t>6/5/2015</a:t>
             </a:fld>
             <a:endParaRPr lang="en-US"/>
           </a:p>
@@ -927,45 +930,7 @@
                 <a:ea typeface="Segoe UI" pitchFamily="34" charset="0"/>
                 <a:cs typeface="Segoe UI" pitchFamily="34" charset="0"/>
               </a:rPr>
-              <a:t>© 2012 Microsoft Corporation. All rights reserved. Microsoft, </a:t>
-            </a:r>
-            <a:r>
-              <a:rPr lang="en-US" sz="400" dirty="0" smtClean="0">
-                <a:gradFill>
-                  <a:gsLst>
-                    <a:gs pos="0">
-                      <a:prstClr val="black"/>
-                    </a:gs>
-                    <a:gs pos="100000">
-                      <a:prstClr val="black"/>
-                    </a:gs>
-                  </a:gsLst>
-                  <a:lin ang="5400000" scaled="0"/>
-                </a:gradFill>
-                <a:latin typeface="Segoe UI" pitchFamily="34" charset="0"/>
-                <a:ea typeface="Segoe UI" pitchFamily="34" charset="0"/>
-                <a:cs typeface="Segoe UI" pitchFamily="34" charset="0"/>
-              </a:rPr>
-              <a:t>Microsoft, </a:t>
-            </a:r>
-            <a:r>
-              <a:rPr lang="en-US" sz="400" dirty="0" smtClean="0">
-                <a:gradFill>
-                  <a:gsLst>
-                    <a:gs pos="0">
-                      <a:prstClr val="black"/>
-                    </a:gs>
-                    <a:gs pos="100000">
-                      <a:prstClr val="black"/>
-                    </a:gs>
-                  </a:gsLst>
-                  <a:lin ang="5400000" scaled="0"/>
-                </a:gradFill>
-                <a:latin typeface="Segoe UI" pitchFamily="34" charset="0"/>
-                <a:ea typeface="Segoe UI" pitchFamily="34" charset="0"/>
-                <a:cs typeface="Segoe UI" pitchFamily="34" charset="0"/>
-              </a:rPr>
-              <a:t>and other product names are or may be registered trademarks and/or trademarks in the U.S. and/or other countries.</a:t>
+              <a:t>© 2012 Microsoft Corporation. All rights reserved. Microsoft, Microsoft, and other product names are or may be registered trademarks and/or trademarks in the U.S. and/or other countries.</a:t>
             </a:r>
           </a:p>
           <a:p>
@@ -1009,7 +974,7 @@
           <a:p>
             <a:fld id="{50A28030-5D59-4E14-AFE9-B93D391AF3AF}" type="datetime1">
               <a:rPr lang="en-US" smtClean="0"/>
-              <a:t>10/3/2014</a:t>
+              <a:t>6/5/2015</a:t>
             </a:fld>
             <a:endParaRPr lang="en-US" dirty="0"/>
           </a:p>
@@ -21626,15 +21591,7 @@
             </a:br>
             <a:r>
               <a:rPr lang="en-US" dirty="0" smtClean="0"/>
-              <a:t>  </a:t>
-            </a:r>
-            <a:r>
-              <a:rPr lang="en-US" dirty="0" smtClean="0"/>
-              <a:t>Microsoft </a:t>
-            </a:r>
-            <a:r>
-              <a:rPr lang="en-US" dirty="0" smtClean="0"/>
-              <a:t>Azure Caching Service.</a:t>
+              <a:t>  Microsoft Azure Caching Service.</a:t>
             </a:r>
             <a:endParaRPr lang="en-US" dirty="0"/>
           </a:p>
@@ -24158,15 +24115,7 @@
             </a:pPr>
             <a:r>
               <a:rPr lang="en-US" dirty="0" smtClean="0"/>
-              <a:t>Take advantage of available </a:t>
-            </a:r>
-            <a:r>
-              <a:rPr lang="en-US" dirty="0" smtClean="0"/>
-              <a:t>Microsoft </a:t>
-            </a:r>
-            <a:r>
-              <a:rPr lang="en-US" dirty="0" smtClean="0"/>
-              <a:t>Azure services.</a:t>
+              <a:t>Take advantage of available Microsoft Azure services.</a:t>
             </a:r>
             <a:endParaRPr lang="en-US" dirty="0"/>
           </a:p>
@@ -24294,11 +24243,11 @@
             </a:r>
             <a:r>
               <a:rPr lang="en-US" dirty="0" smtClean="0"/>
-              <a:t>Microsoft </a:t>
+              <a:t>Azure </a:t>
             </a:r>
             <a:r>
               <a:rPr lang="en-US" dirty="0" smtClean="0"/>
-              <a:t>Azure Active Directory</a:t>
+              <a:t>Active Directory</a:t>
             </a:r>
             <a:endParaRPr lang="en-US" dirty="0"/>
           </a:p>
@@ -24824,15 +24773,15 @@
             </a:pPr>
             <a:r>
               <a:rPr lang="en-US" dirty="0" smtClean="0"/>
-              <a:t>Environment consistency via deployment setup in </a:t>
+              <a:t>Environment consistency via deployment setup in Microsoft Azure Web </a:t>
             </a:r>
             <a:r>
               <a:rPr lang="en-US" dirty="0" smtClean="0"/>
-              <a:t>Microsoft </a:t>
+              <a:t>Apps or </a:t>
             </a:r>
             <a:r>
               <a:rPr lang="en-US" dirty="0" smtClean="0"/>
-              <a:t>Azure Web Sites or VM images.</a:t>
+              <a:t>VM images.</a:t>
             </a:r>
           </a:p>
           <a:p>
@@ -25171,7 +25120,16 @@
                   </a:solidFill>
                   <a:cs typeface="Segoe UI Light" panose="020B0502040204020203" pitchFamily="34" charset="0"/>
                 </a:rPr>
-                <a:t>SITES</a:t>
+                <a:t>APPS</a:t>
+              </a:r>
+              <a:r>
+                <a:rPr lang="en-US" sz="1961" dirty="0" smtClean="0">
+                  <a:solidFill>
+                    <a:srgbClr val="FFFFFF"/>
+                  </a:solidFill>
+                  <a:cs typeface="Segoe UI Light" panose="020B0502040204020203" pitchFamily="34" charset="0"/>
+                </a:rPr>
+                <a:t/>
               </a:r>
               <a:br>
                 <a:rPr lang="en-US" sz="1961" dirty="0" smtClean="0">

--- a/Presentation/ASPNET-in-Production/ASPNET-in-Production.pptx
+++ b/Presentation/ASPNET-in-Production/ASPNET-in-Production.pptx
@@ -246,7 +246,7 @@
           <a:p>
             <a:fld id="{0E990FE3-7537-4D15-A9F5-FDF1805FD5F8}" type="datetimeFigureOut">
               <a:rPr lang="en-US" smtClean="0"/>
-              <a:t>6/5/2015</a:t>
+              <a:t>12/06/2015</a:t>
             </a:fld>
             <a:endParaRPr lang="en-US"/>
           </a:p>
@@ -974,7 +974,7 @@
           <a:p>
             <a:fld id="{50A28030-5D59-4E14-AFE9-B93D391AF3AF}" type="datetime1">
               <a:rPr lang="en-US" smtClean="0"/>
-              <a:t>6/5/2015</a:t>
+              <a:t>12/06/2015</a:t>
             </a:fld>
             <a:endParaRPr lang="en-US" dirty="0"/>
           </a:p>
@@ -21952,31 +21952,25 @@
       </p:sp>
       <p:pic>
         <p:nvPicPr>
-          <p:cNvPr id="5" name="Content Placeholder 4"/>
+          <p:cNvPr id="5" name="Picture 4"/>
           <p:cNvPicPr>
-            <a:picLocks noGrp="1" noChangeAspect="1"/>
+            <a:picLocks noChangeAspect="1"/>
           </p:cNvPicPr>
-          <p:nvPr>
-            <p:ph idx="4294967295"/>
-          </p:nvPr>
+          <p:nvPr/>
         </p:nvPicPr>
-        <p:blipFill>
-          <a:blip r:embed="rId2">
-            <a:extLst>
-              <a:ext uri="{28A0092B-C50C-407E-A947-70E740481C1C}">
-                <a14:useLocalDpi xmlns:a14="http://schemas.microsoft.com/office/drawing/2010/main" val="0"/>
-              </a:ext>
-            </a:extLst>
-          </a:blip>
-          <a:stretch>
-            <a:fillRect/>
-          </a:stretch>
+        <p:blipFill rotWithShape="1">
+          <a:blip r:embed="rId2"/>
+          <a:srcRect r="526" b="9489"/>
+          <a:stretch/>
         </p:blipFill>
         <p:spPr>
           <a:xfrm>
-            <a:off x="738632" y="407988"/>
-            <a:ext cx="10771886" cy="5848350"/>
+            <a:off x="115047" y="0"/>
+            <a:ext cx="12076953" cy="6858000"/>
           </a:xfrm>
+          <a:prstGeom prst="rect">
+            <a:avLst/>
+          </a:prstGeom>
         </p:spPr>
       </p:pic>
       <p:sp>
@@ -21987,8 +21981,8 @@
         </p:nvSpPr>
         <p:spPr>
           <a:xfrm>
-            <a:off x="127000" y="1888067"/>
-            <a:ext cx="12065000" cy="3081866"/>
+            <a:off x="108704" y="0"/>
+            <a:ext cx="6482596" cy="6857999"/>
           </a:xfrm>
           <a:prstGeom prst="rect">
             <a:avLst/>
@@ -22359,91 +22353,38 @@
       </p:sp>
       <p:pic>
         <p:nvPicPr>
-          <p:cNvPr id="5" name="Content Placeholder 4"/>
+          <p:cNvPr id="13" name="Picture 12"/>
           <p:cNvPicPr>
-            <a:picLocks noGrp="1" noChangeAspect="1"/>
+            <a:picLocks noChangeAspect="1"/>
           </p:cNvPicPr>
-          <p:nvPr>
-            <p:ph idx="4294967295"/>
-          </p:nvPr>
+          <p:nvPr/>
         </p:nvPicPr>
         <p:blipFill>
-          <a:blip r:embed="rId2">
-            <a:extLst>
-              <a:ext uri="{28A0092B-C50C-407E-A947-70E740481C1C}">
-                <a14:useLocalDpi xmlns:a14="http://schemas.microsoft.com/office/drawing/2010/main" val="0"/>
-              </a:ext>
-            </a:extLst>
-          </a:blip>
+          <a:blip r:embed="rId2"/>
           <a:stretch>
             <a:fillRect/>
           </a:stretch>
         </p:blipFill>
         <p:spPr>
           <a:xfrm>
-            <a:off x="738632" y="407988"/>
-            <a:ext cx="10771886" cy="5848350"/>
-          </a:xfrm>
-        </p:spPr>
-      </p:pic>
-      <p:sp>
-        <p:nvSpPr>
-          <p:cNvPr id="6" name="Rectangle 5"/>
-          <p:cNvSpPr/>
-          <p:nvPr/>
-        </p:nvSpPr>
-        <p:spPr>
-          <a:xfrm>
-            <a:off x="127000" y="855135"/>
-            <a:ext cx="12065000" cy="1049865"/>
+            <a:off x="108704" y="0"/>
+            <a:ext cx="12083296" cy="6858000"/>
           </a:xfrm>
           <a:prstGeom prst="rect">
             <a:avLst/>
           </a:prstGeom>
-          <a:solidFill>
-            <a:srgbClr val="617081">
-              <a:alpha val="50196"/>
-            </a:srgbClr>
-          </a:solidFill>
-          <a:ln>
-            <a:noFill/>
-          </a:ln>
         </p:spPr>
-        <p:style>
-          <a:lnRef idx="2">
-            <a:schemeClr val="accent1">
-              <a:shade val="50000"/>
-            </a:schemeClr>
-          </a:lnRef>
-          <a:fillRef idx="1">
-            <a:schemeClr val="accent1"/>
-          </a:fillRef>
-          <a:effectRef idx="0">
-            <a:schemeClr val="accent1"/>
-          </a:effectRef>
-          <a:fontRef idx="minor">
-            <a:schemeClr val="lt1"/>
-          </a:fontRef>
-        </p:style>
-        <p:txBody>
-          <a:bodyPr rtlCol="0" anchor="ctr"/>
-          <a:lstStyle/>
-          <a:p>
-            <a:pPr algn="ctr"/>
-            <a:endParaRPr lang="en-US"/>
-          </a:p>
-        </p:txBody>
-      </p:sp>
-      <p:sp>
-        <p:nvSpPr>
-          <p:cNvPr id="7" name="Rectangle 6"/>
+      </p:pic>
+      <p:sp>
+        <p:nvSpPr>
+          <p:cNvPr id="23" name="Rectangle 22"/>
           <p:cNvSpPr/>
           <p:nvPr/>
         </p:nvSpPr>
         <p:spPr>
           <a:xfrm>
-            <a:off x="127000" y="4953001"/>
-            <a:ext cx="12065000" cy="1904999"/>
+            <a:off x="108704" y="0"/>
+            <a:ext cx="6457196" cy="6857999"/>
           </a:xfrm>
           <a:prstGeom prst="rect">
             <a:avLst/>
@@ -23773,6 +23714,29 @@
           <a:chExt cx="0" cy="0"/>
         </a:xfrm>
       </p:grpSpPr>
+      <p:pic>
+        <p:nvPicPr>
+          <p:cNvPr id="4" name="Picture 3"/>
+          <p:cNvPicPr>
+            <a:picLocks noChangeAspect="1"/>
+          </p:cNvPicPr>
+          <p:nvPr/>
+        </p:nvPicPr>
+        <p:blipFill rotWithShape="1">
+          <a:blip r:embed="rId2"/>
+          <a:srcRect l="1" r="33919" b="24518"/>
+          <a:stretch/>
+        </p:blipFill>
+        <p:spPr>
+          <a:xfrm>
+            <a:off x="108704" y="0"/>
+            <a:ext cx="12083295" cy="6865257"/>
+          </a:xfrm>
+          <a:prstGeom prst="rect">
+            <a:avLst/>
+          </a:prstGeom>
+        </p:spPr>
+      </p:pic>
       <p:sp>
         <p:nvSpPr>
           <p:cNvPr id="2" name="Slide Number Placeholder 1"/>
@@ -23796,36 +23760,54 @@
           </a:p>
         </p:txBody>
       </p:sp>
-      <p:pic>
-        <p:nvPicPr>
-          <p:cNvPr id="3" name="Picture 2"/>
-          <p:cNvPicPr>
-            <a:picLocks noChangeAspect="1"/>
-          </p:cNvPicPr>
+      <p:sp>
+        <p:nvSpPr>
+          <p:cNvPr id="5" name="Rectangle 4"/>
+          <p:cNvSpPr/>
           <p:nvPr/>
-        </p:nvPicPr>
-        <p:blipFill>
-          <a:blip r:embed="rId2">
-            <a:extLst>
-              <a:ext uri="{28A0092B-C50C-407E-A947-70E740481C1C}">
-                <a14:useLocalDpi xmlns:a14="http://schemas.microsoft.com/office/drawing/2010/main" val="0"/>
-              </a:ext>
-            </a:extLst>
-          </a:blip>
-          <a:stretch>
-            <a:fillRect/>
-          </a:stretch>
-        </p:blipFill>
+        </p:nvSpPr>
         <p:spPr>
           <a:xfrm>
-            <a:off x="1572222" y="0"/>
-            <a:ext cx="9047555" cy="6858000"/>
+            <a:off x="108704" y="0"/>
+            <a:ext cx="6457196" cy="6865257"/>
           </a:xfrm>
           <a:prstGeom prst="rect">
             <a:avLst/>
           </a:prstGeom>
+          <a:solidFill>
+            <a:srgbClr val="617081">
+              <a:alpha val="50196"/>
+            </a:srgbClr>
+          </a:solidFill>
+          <a:ln>
+            <a:noFill/>
+          </a:ln>
         </p:spPr>
-      </p:pic>
+        <p:style>
+          <a:lnRef idx="2">
+            <a:schemeClr val="accent1">
+              <a:shade val="50000"/>
+            </a:schemeClr>
+          </a:lnRef>
+          <a:fillRef idx="1">
+            <a:schemeClr val="accent1"/>
+          </a:fillRef>
+          <a:effectRef idx="0">
+            <a:schemeClr val="accent1"/>
+          </a:effectRef>
+          <a:fontRef idx="minor">
+            <a:schemeClr val="lt1"/>
+          </a:fontRef>
+        </p:style>
+        <p:txBody>
+          <a:bodyPr rtlCol="0" anchor="ctr"/>
+          <a:lstStyle/>
+          <a:p>
+            <a:pPr algn="ctr"/>
+            <a:endParaRPr lang="en-US"/>
+          </a:p>
+        </p:txBody>
+      </p:sp>
     </p:spTree>
     <p:extLst>
       <p:ext uri="{BB962C8B-B14F-4D97-AF65-F5344CB8AC3E}">
@@ -24239,15 +24221,7 @@
           <a:p>
             <a:r>
               <a:rPr lang="en-US" dirty="0" smtClean="0"/>
-              <a:t>Scenario: </a:t>
-            </a:r>
-            <a:r>
-              <a:rPr lang="en-US" dirty="0" smtClean="0"/>
-              <a:t>Azure </a:t>
-            </a:r>
-            <a:r>
-              <a:rPr lang="en-US" dirty="0" smtClean="0"/>
-              <a:t>Active Directory</a:t>
+              <a:t>Scenario: Azure Active Directory</a:t>
             </a:r>
             <a:endParaRPr lang="en-US" dirty="0"/>
           </a:p>
@@ -24773,15 +24747,7 @@
             </a:pPr>
             <a:r>
               <a:rPr lang="en-US" dirty="0" smtClean="0"/>
-              <a:t>Environment consistency via deployment setup in Microsoft Azure Web </a:t>
-            </a:r>
-            <a:r>
-              <a:rPr lang="en-US" dirty="0" smtClean="0"/>
-              <a:t>Apps or </a:t>
-            </a:r>
-            <a:r>
-              <a:rPr lang="en-US" dirty="0" smtClean="0"/>
-              <a:t>VM images.</a:t>
+              <a:t>Environment consistency via deployment setup in Microsoft Azure Web Apps or VM images.</a:t>
             </a:r>
           </a:p>
           <a:p>
@@ -25121,15 +25087,6 @@
                   <a:cs typeface="Segoe UI Light" panose="020B0502040204020203" pitchFamily="34" charset="0"/>
                 </a:rPr>
                 <a:t>APPS</a:t>
-              </a:r>
-              <a:r>
-                <a:rPr lang="en-US" sz="1961" dirty="0" smtClean="0">
-                  <a:solidFill>
-                    <a:srgbClr val="FFFFFF"/>
-                  </a:solidFill>
-                  <a:cs typeface="Segoe UI Light" panose="020B0502040204020203" pitchFamily="34" charset="0"/>
-                </a:rPr>
-                <a:t/>
               </a:r>
               <a:br>
                 <a:rPr lang="en-US" sz="1961" dirty="0" smtClean="0">

--- a/Presentation/ASPNET-in-Production/ASPNET-in-Production.pptx
+++ b/Presentation/ASPNET-in-Production/ASPNET-in-Production.pptx
@@ -248,7 +248,7 @@
           <a:p>
             <a:fld id="{0E990FE3-7537-4D15-A9F5-FDF1805FD5F8}" type="datetimeFigureOut">
               <a:rPr lang="en-US" smtClean="0"/>
-              <a:t>10/12/2015</a:t>
+              <a:t>18/12/2015</a:t>
             </a:fld>
             <a:endParaRPr lang="en-US"/>
           </a:p>
@@ -976,7 +976,7 @@
           <a:p>
             <a:fld id="{50A28030-5D59-4E14-AFE9-B93D391AF3AF}" type="datetime1">
               <a:rPr lang="en-US" smtClean="0"/>
-              <a:t>10/12/2015</a:t>
+              <a:t>18/12/2015</a:t>
             </a:fld>
             <a:endParaRPr lang="en-US" dirty="0"/>
           </a:p>
@@ -1228,28 +1228,28 @@
                 <a:gridCol w="2764105">
                   <a:extLst>
                     <a:ext uri="{9D8B030D-6E8A-4147-A177-3AD203B41FA5}">
-                      <a16:colId xmlns:a16="http://schemas.microsoft.com/office/drawing/2014/main" val="20000"/>
+                      <a16:colId xmlns:a16="http://schemas.microsoft.com/office/drawing/2014/main" xmlns="" val="20000"/>
                     </a:ext>
                   </a:extLst>
                 </a:gridCol>
                 <a:gridCol w="2764105">
                   <a:extLst>
                     <a:ext uri="{9D8B030D-6E8A-4147-A177-3AD203B41FA5}">
-                      <a16:colId xmlns:a16="http://schemas.microsoft.com/office/drawing/2014/main" val="20001"/>
+                      <a16:colId xmlns:a16="http://schemas.microsoft.com/office/drawing/2014/main" xmlns="" val="20001"/>
                     </a:ext>
                   </a:extLst>
                 </a:gridCol>
                 <a:gridCol w="2764105">
                   <a:extLst>
                     <a:ext uri="{9D8B030D-6E8A-4147-A177-3AD203B41FA5}">
-                      <a16:colId xmlns:a16="http://schemas.microsoft.com/office/drawing/2014/main" val="20002"/>
+                      <a16:colId xmlns:a16="http://schemas.microsoft.com/office/drawing/2014/main" xmlns="" val="20002"/>
                     </a:ext>
                   </a:extLst>
                 </a:gridCol>
                 <a:gridCol w="2764105">
                   <a:extLst>
                     <a:ext uri="{9D8B030D-6E8A-4147-A177-3AD203B41FA5}">
-                      <a16:colId xmlns:a16="http://schemas.microsoft.com/office/drawing/2014/main" val="20003"/>
+                      <a16:colId xmlns:a16="http://schemas.microsoft.com/office/drawing/2014/main" xmlns="" val="20003"/>
                     </a:ext>
                   </a:extLst>
                 </a:gridCol>
@@ -1429,7 +1429,7 @@
                 </a:tc>
                 <a:extLst>
                   <a:ext uri="{0D108BD9-81ED-4DB2-BD59-A6C34878D82A}">
-                    <a16:rowId xmlns:a16="http://schemas.microsoft.com/office/drawing/2014/main" val="10000"/>
+                    <a16:rowId xmlns:a16="http://schemas.microsoft.com/office/drawing/2014/main" xmlns="" val="10000"/>
                   </a:ext>
                 </a:extLst>
               </a:tr>
@@ -1665,7 +1665,7 @@
                 </a:tc>
                 <a:extLst>
                   <a:ext uri="{0D108BD9-81ED-4DB2-BD59-A6C34878D82A}">
-                    <a16:rowId xmlns:a16="http://schemas.microsoft.com/office/drawing/2014/main" val="10001"/>
+                    <a16:rowId xmlns:a16="http://schemas.microsoft.com/office/drawing/2014/main" xmlns="" val="10001"/>
                   </a:ext>
                 </a:extLst>
               </a:tr>
@@ -1920,7 +1920,7 @@
                 </a:tc>
                 <a:extLst>
                   <a:ext uri="{0D108BD9-81ED-4DB2-BD59-A6C34878D82A}">
-                    <a16:rowId xmlns:a16="http://schemas.microsoft.com/office/drawing/2014/main" val="10002"/>
+                    <a16:rowId xmlns:a16="http://schemas.microsoft.com/office/drawing/2014/main" xmlns="" val="10002"/>
                   </a:ext>
                 </a:extLst>
               </a:tr>
@@ -2175,7 +2175,7 @@
                 </a:tc>
                 <a:extLst>
                   <a:ext uri="{0D108BD9-81ED-4DB2-BD59-A6C34878D82A}">
-                    <a16:rowId xmlns:a16="http://schemas.microsoft.com/office/drawing/2014/main" val="10003"/>
+                    <a16:rowId xmlns:a16="http://schemas.microsoft.com/office/drawing/2014/main" xmlns="" val="10003"/>
                   </a:ext>
                 </a:extLst>
               </a:tr>
@@ -3726,28 +3726,28 @@
                 <a:gridCol w="2764105">
                   <a:extLst>
                     <a:ext uri="{9D8B030D-6E8A-4147-A177-3AD203B41FA5}">
-                      <a16:colId xmlns:a16="http://schemas.microsoft.com/office/drawing/2014/main" val="20000"/>
+                      <a16:colId xmlns:a16="http://schemas.microsoft.com/office/drawing/2014/main" xmlns="" val="20000"/>
                     </a:ext>
                   </a:extLst>
                 </a:gridCol>
                 <a:gridCol w="2764105">
                   <a:extLst>
                     <a:ext uri="{9D8B030D-6E8A-4147-A177-3AD203B41FA5}">
-                      <a16:colId xmlns:a16="http://schemas.microsoft.com/office/drawing/2014/main" val="20001"/>
+                      <a16:colId xmlns:a16="http://schemas.microsoft.com/office/drawing/2014/main" xmlns="" val="20001"/>
                     </a:ext>
                   </a:extLst>
                 </a:gridCol>
                 <a:gridCol w="2764105">
                   <a:extLst>
                     <a:ext uri="{9D8B030D-6E8A-4147-A177-3AD203B41FA5}">
-                      <a16:colId xmlns:a16="http://schemas.microsoft.com/office/drawing/2014/main" val="20002"/>
+                      <a16:colId xmlns:a16="http://schemas.microsoft.com/office/drawing/2014/main" xmlns="" val="20002"/>
                     </a:ext>
                   </a:extLst>
                 </a:gridCol>
                 <a:gridCol w="2764105">
                   <a:extLst>
                     <a:ext uri="{9D8B030D-6E8A-4147-A177-3AD203B41FA5}">
-                      <a16:colId xmlns:a16="http://schemas.microsoft.com/office/drawing/2014/main" val="20003"/>
+                      <a16:colId xmlns:a16="http://schemas.microsoft.com/office/drawing/2014/main" xmlns="" val="20003"/>
                     </a:ext>
                   </a:extLst>
                 </a:gridCol>
@@ -3911,7 +3911,7 @@
                 </a:tc>
                 <a:extLst>
                   <a:ext uri="{0D108BD9-81ED-4DB2-BD59-A6C34878D82A}">
-                    <a16:rowId xmlns:a16="http://schemas.microsoft.com/office/drawing/2014/main" val="10000"/>
+                    <a16:rowId xmlns:a16="http://schemas.microsoft.com/office/drawing/2014/main" xmlns="" val="10000"/>
                   </a:ext>
                 </a:extLst>
               </a:tr>
@@ -4131,7 +4131,7 @@
                 </a:tc>
                 <a:extLst>
                   <a:ext uri="{0D108BD9-81ED-4DB2-BD59-A6C34878D82A}">
-                    <a16:rowId xmlns:a16="http://schemas.microsoft.com/office/drawing/2014/main" val="10001"/>
+                    <a16:rowId xmlns:a16="http://schemas.microsoft.com/office/drawing/2014/main" xmlns="" val="10001"/>
                   </a:ext>
                 </a:extLst>
               </a:tr>
@@ -4370,7 +4370,7 @@
                 </a:tc>
                 <a:extLst>
                   <a:ext uri="{0D108BD9-81ED-4DB2-BD59-A6C34878D82A}">
-                    <a16:rowId xmlns:a16="http://schemas.microsoft.com/office/drawing/2014/main" val="10002"/>
+                    <a16:rowId xmlns:a16="http://schemas.microsoft.com/office/drawing/2014/main" xmlns="" val="10002"/>
                   </a:ext>
                 </a:extLst>
               </a:tr>
@@ -4609,7 +4609,7 @@
                 </a:tc>
                 <a:extLst>
                   <a:ext uri="{0D108BD9-81ED-4DB2-BD59-A6C34878D82A}">
-                    <a16:rowId xmlns:a16="http://schemas.microsoft.com/office/drawing/2014/main" val="10003"/>
+                    <a16:rowId xmlns:a16="http://schemas.microsoft.com/office/drawing/2014/main" xmlns="" val="10003"/>
                   </a:ext>
                 </a:extLst>
               </a:tr>
@@ -5722,28 +5722,28 @@
                 <a:gridCol w="2764105">
                   <a:extLst>
                     <a:ext uri="{9D8B030D-6E8A-4147-A177-3AD203B41FA5}">
-                      <a16:colId xmlns:a16="http://schemas.microsoft.com/office/drawing/2014/main" val="20000"/>
+                      <a16:colId xmlns:a16="http://schemas.microsoft.com/office/drawing/2014/main" xmlns="" val="20000"/>
                     </a:ext>
                   </a:extLst>
                 </a:gridCol>
                 <a:gridCol w="2764105">
                   <a:extLst>
                     <a:ext uri="{9D8B030D-6E8A-4147-A177-3AD203B41FA5}">
-                      <a16:colId xmlns:a16="http://schemas.microsoft.com/office/drawing/2014/main" val="20001"/>
+                      <a16:colId xmlns:a16="http://schemas.microsoft.com/office/drawing/2014/main" xmlns="" val="20001"/>
                     </a:ext>
                   </a:extLst>
                 </a:gridCol>
                 <a:gridCol w="2764105">
                   <a:extLst>
                     <a:ext uri="{9D8B030D-6E8A-4147-A177-3AD203B41FA5}">
-                      <a16:colId xmlns:a16="http://schemas.microsoft.com/office/drawing/2014/main" val="20002"/>
+                      <a16:colId xmlns:a16="http://schemas.microsoft.com/office/drawing/2014/main" xmlns="" val="20002"/>
                     </a:ext>
                   </a:extLst>
                 </a:gridCol>
                 <a:gridCol w="2764105">
                   <a:extLst>
                     <a:ext uri="{9D8B030D-6E8A-4147-A177-3AD203B41FA5}">
-                      <a16:colId xmlns:a16="http://schemas.microsoft.com/office/drawing/2014/main" val="20003"/>
+                      <a16:colId xmlns:a16="http://schemas.microsoft.com/office/drawing/2014/main" xmlns="" val="20003"/>
                     </a:ext>
                   </a:extLst>
                 </a:gridCol>
@@ -5919,7 +5919,7 @@
                 </a:tc>
                 <a:extLst>
                   <a:ext uri="{0D108BD9-81ED-4DB2-BD59-A6C34878D82A}">
-                    <a16:rowId xmlns:a16="http://schemas.microsoft.com/office/drawing/2014/main" val="10000"/>
+                    <a16:rowId xmlns:a16="http://schemas.microsoft.com/office/drawing/2014/main" xmlns="" val="10000"/>
                   </a:ext>
                 </a:extLst>
               </a:tr>
@@ -6151,7 +6151,7 @@
                 </a:tc>
                 <a:extLst>
                   <a:ext uri="{0D108BD9-81ED-4DB2-BD59-A6C34878D82A}">
-                    <a16:rowId xmlns:a16="http://schemas.microsoft.com/office/drawing/2014/main" val="10001"/>
+                    <a16:rowId xmlns:a16="http://schemas.microsoft.com/office/drawing/2014/main" xmlns="" val="10001"/>
                   </a:ext>
                 </a:extLst>
               </a:tr>
@@ -6410,7 +6410,7 @@
                 </a:tc>
                 <a:extLst>
                   <a:ext uri="{0D108BD9-81ED-4DB2-BD59-A6C34878D82A}">
-                    <a16:rowId xmlns:a16="http://schemas.microsoft.com/office/drawing/2014/main" val="10002"/>
+                    <a16:rowId xmlns:a16="http://schemas.microsoft.com/office/drawing/2014/main" xmlns="" val="10002"/>
                   </a:ext>
                 </a:extLst>
               </a:tr>
@@ -6661,7 +6661,7 @@
                 </a:tc>
                 <a:extLst>
                   <a:ext uri="{0D108BD9-81ED-4DB2-BD59-A6C34878D82A}">
-                    <a16:rowId xmlns:a16="http://schemas.microsoft.com/office/drawing/2014/main" val="10003"/>
+                    <a16:rowId xmlns:a16="http://schemas.microsoft.com/office/drawing/2014/main" xmlns="" val="10003"/>
                   </a:ext>
                 </a:extLst>
               </a:tr>
@@ -7879,28 +7879,28 @@
                 <a:gridCol w="2764105">
                   <a:extLst>
                     <a:ext uri="{9D8B030D-6E8A-4147-A177-3AD203B41FA5}">
-                      <a16:colId xmlns:a16="http://schemas.microsoft.com/office/drawing/2014/main" val="20000"/>
+                      <a16:colId xmlns:a16="http://schemas.microsoft.com/office/drawing/2014/main" xmlns="" val="20000"/>
                     </a:ext>
                   </a:extLst>
                 </a:gridCol>
                 <a:gridCol w="2764105">
                   <a:extLst>
                     <a:ext uri="{9D8B030D-6E8A-4147-A177-3AD203B41FA5}">
-                      <a16:colId xmlns:a16="http://schemas.microsoft.com/office/drawing/2014/main" val="20001"/>
+                      <a16:colId xmlns:a16="http://schemas.microsoft.com/office/drawing/2014/main" xmlns="" val="20001"/>
                     </a:ext>
                   </a:extLst>
                 </a:gridCol>
                 <a:gridCol w="2764105">
                   <a:extLst>
                     <a:ext uri="{9D8B030D-6E8A-4147-A177-3AD203B41FA5}">
-                      <a16:colId xmlns:a16="http://schemas.microsoft.com/office/drawing/2014/main" val="20002"/>
+                      <a16:colId xmlns:a16="http://schemas.microsoft.com/office/drawing/2014/main" xmlns="" val="20002"/>
                     </a:ext>
                   </a:extLst>
                 </a:gridCol>
                 <a:gridCol w="2764105">
                   <a:extLst>
                     <a:ext uri="{9D8B030D-6E8A-4147-A177-3AD203B41FA5}">
-                      <a16:colId xmlns:a16="http://schemas.microsoft.com/office/drawing/2014/main" val="20003"/>
+                      <a16:colId xmlns:a16="http://schemas.microsoft.com/office/drawing/2014/main" xmlns="" val="20003"/>
                     </a:ext>
                   </a:extLst>
                 </a:gridCol>
@@ -8080,7 +8080,7 @@
                 </a:tc>
                 <a:extLst>
                   <a:ext uri="{0D108BD9-81ED-4DB2-BD59-A6C34878D82A}">
-                    <a16:rowId xmlns:a16="http://schemas.microsoft.com/office/drawing/2014/main" val="10000"/>
+                    <a16:rowId xmlns:a16="http://schemas.microsoft.com/office/drawing/2014/main" xmlns="" val="10000"/>
                   </a:ext>
                 </a:extLst>
               </a:tr>
@@ -8316,7 +8316,7 @@
                 </a:tc>
                 <a:extLst>
                   <a:ext uri="{0D108BD9-81ED-4DB2-BD59-A6C34878D82A}">
-                    <a16:rowId xmlns:a16="http://schemas.microsoft.com/office/drawing/2014/main" val="10001"/>
+                    <a16:rowId xmlns:a16="http://schemas.microsoft.com/office/drawing/2014/main" xmlns="" val="10001"/>
                   </a:ext>
                 </a:extLst>
               </a:tr>
@@ -8571,7 +8571,7 @@
                 </a:tc>
                 <a:extLst>
                   <a:ext uri="{0D108BD9-81ED-4DB2-BD59-A6C34878D82A}">
-                    <a16:rowId xmlns:a16="http://schemas.microsoft.com/office/drawing/2014/main" val="10002"/>
+                    <a16:rowId xmlns:a16="http://schemas.microsoft.com/office/drawing/2014/main" xmlns="" val="10002"/>
                   </a:ext>
                 </a:extLst>
               </a:tr>
@@ -8826,7 +8826,7 @@
                 </a:tc>
                 <a:extLst>
                   <a:ext uri="{0D108BD9-81ED-4DB2-BD59-A6C34878D82A}">
-                    <a16:rowId xmlns:a16="http://schemas.microsoft.com/office/drawing/2014/main" val="10003"/>
+                    <a16:rowId xmlns:a16="http://schemas.microsoft.com/office/drawing/2014/main" xmlns="" val="10003"/>
                   </a:ext>
                 </a:extLst>
               </a:tr>
@@ -10044,28 +10044,28 @@
                 <a:gridCol w="2764105">
                   <a:extLst>
                     <a:ext uri="{9D8B030D-6E8A-4147-A177-3AD203B41FA5}">
-                      <a16:colId xmlns:a16="http://schemas.microsoft.com/office/drawing/2014/main" val="20000"/>
+                      <a16:colId xmlns:a16="http://schemas.microsoft.com/office/drawing/2014/main" xmlns="" val="20000"/>
                     </a:ext>
                   </a:extLst>
                 </a:gridCol>
                 <a:gridCol w="2764105">
                   <a:extLst>
                     <a:ext uri="{9D8B030D-6E8A-4147-A177-3AD203B41FA5}">
-                      <a16:colId xmlns:a16="http://schemas.microsoft.com/office/drawing/2014/main" val="20001"/>
+                      <a16:colId xmlns:a16="http://schemas.microsoft.com/office/drawing/2014/main" xmlns="" val="20001"/>
                     </a:ext>
                   </a:extLst>
                 </a:gridCol>
                 <a:gridCol w="2764105">
                   <a:extLst>
                     <a:ext uri="{9D8B030D-6E8A-4147-A177-3AD203B41FA5}">
-                      <a16:colId xmlns:a16="http://schemas.microsoft.com/office/drawing/2014/main" val="20002"/>
+                      <a16:colId xmlns:a16="http://schemas.microsoft.com/office/drawing/2014/main" xmlns="" val="20002"/>
                     </a:ext>
                   </a:extLst>
                 </a:gridCol>
                 <a:gridCol w="2764105">
                   <a:extLst>
                     <a:ext uri="{9D8B030D-6E8A-4147-A177-3AD203B41FA5}">
-                      <a16:colId xmlns:a16="http://schemas.microsoft.com/office/drawing/2014/main" val="20003"/>
+                      <a16:colId xmlns:a16="http://schemas.microsoft.com/office/drawing/2014/main" xmlns="" val="20003"/>
                     </a:ext>
                   </a:extLst>
                 </a:gridCol>
@@ -10245,7 +10245,7 @@
                 </a:tc>
                 <a:extLst>
                   <a:ext uri="{0D108BD9-81ED-4DB2-BD59-A6C34878D82A}">
-                    <a16:rowId xmlns:a16="http://schemas.microsoft.com/office/drawing/2014/main" val="10000"/>
+                    <a16:rowId xmlns:a16="http://schemas.microsoft.com/office/drawing/2014/main" xmlns="" val="10000"/>
                   </a:ext>
                 </a:extLst>
               </a:tr>
@@ -10481,7 +10481,7 @@
                 </a:tc>
                 <a:extLst>
                   <a:ext uri="{0D108BD9-81ED-4DB2-BD59-A6C34878D82A}">
-                    <a16:rowId xmlns:a16="http://schemas.microsoft.com/office/drawing/2014/main" val="10001"/>
+                    <a16:rowId xmlns:a16="http://schemas.microsoft.com/office/drawing/2014/main" xmlns="" val="10001"/>
                   </a:ext>
                 </a:extLst>
               </a:tr>
@@ -10736,7 +10736,7 @@
                 </a:tc>
                 <a:extLst>
                   <a:ext uri="{0D108BD9-81ED-4DB2-BD59-A6C34878D82A}">
-                    <a16:rowId xmlns:a16="http://schemas.microsoft.com/office/drawing/2014/main" val="10002"/>
+                    <a16:rowId xmlns:a16="http://schemas.microsoft.com/office/drawing/2014/main" xmlns="" val="10002"/>
                   </a:ext>
                 </a:extLst>
               </a:tr>
@@ -10991,7 +10991,7 @@
                 </a:tc>
                 <a:extLst>
                   <a:ext uri="{0D108BD9-81ED-4DB2-BD59-A6C34878D82A}">
-                    <a16:rowId xmlns:a16="http://schemas.microsoft.com/office/drawing/2014/main" val="10003"/>
+                    <a16:rowId xmlns:a16="http://schemas.microsoft.com/office/drawing/2014/main" xmlns="" val="10003"/>
                   </a:ext>
                 </a:extLst>
               </a:tr>
@@ -13334,28 +13334,28 @@
                 <a:gridCol w="2764105">
                   <a:extLst>
                     <a:ext uri="{9D8B030D-6E8A-4147-A177-3AD203B41FA5}">
-                      <a16:colId xmlns:a16="http://schemas.microsoft.com/office/drawing/2014/main" val="20000"/>
+                      <a16:colId xmlns:a16="http://schemas.microsoft.com/office/drawing/2014/main" xmlns="" val="20000"/>
                     </a:ext>
                   </a:extLst>
                 </a:gridCol>
                 <a:gridCol w="2764105">
                   <a:extLst>
                     <a:ext uri="{9D8B030D-6E8A-4147-A177-3AD203B41FA5}">
-                      <a16:colId xmlns:a16="http://schemas.microsoft.com/office/drawing/2014/main" val="20001"/>
+                      <a16:colId xmlns:a16="http://schemas.microsoft.com/office/drawing/2014/main" xmlns="" val="20001"/>
                     </a:ext>
                   </a:extLst>
                 </a:gridCol>
                 <a:gridCol w="2764105">
                   <a:extLst>
                     <a:ext uri="{9D8B030D-6E8A-4147-A177-3AD203B41FA5}">
-                      <a16:colId xmlns:a16="http://schemas.microsoft.com/office/drawing/2014/main" val="20002"/>
+                      <a16:colId xmlns:a16="http://schemas.microsoft.com/office/drawing/2014/main" xmlns="" val="20002"/>
                     </a:ext>
                   </a:extLst>
                 </a:gridCol>
                 <a:gridCol w="2764105">
                   <a:extLst>
                     <a:ext uri="{9D8B030D-6E8A-4147-A177-3AD203B41FA5}">
-                      <a16:colId xmlns:a16="http://schemas.microsoft.com/office/drawing/2014/main" val="20003"/>
+                      <a16:colId xmlns:a16="http://schemas.microsoft.com/office/drawing/2014/main" xmlns="" val="20003"/>
                     </a:ext>
                   </a:extLst>
                 </a:gridCol>
@@ -13531,7 +13531,7 @@
                 </a:tc>
                 <a:extLst>
                   <a:ext uri="{0D108BD9-81ED-4DB2-BD59-A6C34878D82A}">
-                    <a16:rowId xmlns:a16="http://schemas.microsoft.com/office/drawing/2014/main" val="10000"/>
+                    <a16:rowId xmlns:a16="http://schemas.microsoft.com/office/drawing/2014/main" xmlns="" val="10000"/>
                   </a:ext>
                 </a:extLst>
               </a:tr>
@@ -13763,7 +13763,7 @@
                 </a:tc>
                 <a:extLst>
                   <a:ext uri="{0D108BD9-81ED-4DB2-BD59-A6C34878D82A}">
-                    <a16:rowId xmlns:a16="http://schemas.microsoft.com/office/drawing/2014/main" val="10001"/>
+                    <a16:rowId xmlns:a16="http://schemas.microsoft.com/office/drawing/2014/main" xmlns="" val="10001"/>
                   </a:ext>
                 </a:extLst>
               </a:tr>
@@ -14022,7 +14022,7 @@
                 </a:tc>
                 <a:extLst>
                   <a:ext uri="{0D108BD9-81ED-4DB2-BD59-A6C34878D82A}">
-                    <a16:rowId xmlns:a16="http://schemas.microsoft.com/office/drawing/2014/main" val="10002"/>
+                    <a16:rowId xmlns:a16="http://schemas.microsoft.com/office/drawing/2014/main" xmlns="" val="10002"/>
                   </a:ext>
                 </a:extLst>
               </a:tr>
@@ -14273,7 +14273,7 @@
                 </a:tc>
                 <a:extLst>
                   <a:ext uri="{0D108BD9-81ED-4DB2-BD59-A6C34878D82A}">
-                    <a16:rowId xmlns:a16="http://schemas.microsoft.com/office/drawing/2014/main" val="10003"/>
+                    <a16:rowId xmlns:a16="http://schemas.microsoft.com/office/drawing/2014/main" xmlns="" val="10003"/>
                   </a:ext>
                 </a:extLst>
               </a:tr>
@@ -16069,28 +16069,28 @@
                 <a:gridCol w="2764105">
                   <a:extLst>
                     <a:ext uri="{9D8B030D-6E8A-4147-A177-3AD203B41FA5}">
-                      <a16:colId xmlns:a16="http://schemas.microsoft.com/office/drawing/2014/main" val="20000"/>
+                      <a16:colId xmlns:a16="http://schemas.microsoft.com/office/drawing/2014/main" xmlns="" val="20000"/>
                     </a:ext>
                   </a:extLst>
                 </a:gridCol>
                 <a:gridCol w="2764105">
                   <a:extLst>
                     <a:ext uri="{9D8B030D-6E8A-4147-A177-3AD203B41FA5}">
-                      <a16:colId xmlns:a16="http://schemas.microsoft.com/office/drawing/2014/main" val="20001"/>
+                      <a16:colId xmlns:a16="http://schemas.microsoft.com/office/drawing/2014/main" xmlns="" val="20001"/>
                     </a:ext>
                   </a:extLst>
                 </a:gridCol>
                 <a:gridCol w="2764105">
                   <a:extLst>
                     <a:ext uri="{9D8B030D-6E8A-4147-A177-3AD203B41FA5}">
-                      <a16:colId xmlns:a16="http://schemas.microsoft.com/office/drawing/2014/main" val="20002"/>
+                      <a16:colId xmlns:a16="http://schemas.microsoft.com/office/drawing/2014/main" xmlns="" val="20002"/>
                     </a:ext>
                   </a:extLst>
                 </a:gridCol>
                 <a:gridCol w="2764105">
                   <a:extLst>
                     <a:ext uri="{9D8B030D-6E8A-4147-A177-3AD203B41FA5}">
-                      <a16:colId xmlns:a16="http://schemas.microsoft.com/office/drawing/2014/main" val="20003"/>
+                      <a16:colId xmlns:a16="http://schemas.microsoft.com/office/drawing/2014/main" xmlns="" val="20003"/>
                     </a:ext>
                   </a:extLst>
                 </a:gridCol>
@@ -16270,7 +16270,7 @@
                 </a:tc>
                 <a:extLst>
                   <a:ext uri="{0D108BD9-81ED-4DB2-BD59-A6C34878D82A}">
-                    <a16:rowId xmlns:a16="http://schemas.microsoft.com/office/drawing/2014/main" val="10000"/>
+                    <a16:rowId xmlns:a16="http://schemas.microsoft.com/office/drawing/2014/main" xmlns="" val="10000"/>
                   </a:ext>
                 </a:extLst>
               </a:tr>
@@ -16506,7 +16506,7 @@
                 </a:tc>
                 <a:extLst>
                   <a:ext uri="{0D108BD9-81ED-4DB2-BD59-A6C34878D82A}">
-                    <a16:rowId xmlns:a16="http://schemas.microsoft.com/office/drawing/2014/main" val="10001"/>
+                    <a16:rowId xmlns:a16="http://schemas.microsoft.com/office/drawing/2014/main" xmlns="" val="10001"/>
                   </a:ext>
                 </a:extLst>
               </a:tr>
@@ -16761,7 +16761,7 @@
                 </a:tc>
                 <a:extLst>
                   <a:ext uri="{0D108BD9-81ED-4DB2-BD59-A6C34878D82A}">
-                    <a16:rowId xmlns:a16="http://schemas.microsoft.com/office/drawing/2014/main" val="10002"/>
+                    <a16:rowId xmlns:a16="http://schemas.microsoft.com/office/drawing/2014/main" xmlns="" val="10002"/>
                   </a:ext>
                 </a:extLst>
               </a:tr>
@@ -17016,7 +17016,7 @@
                 </a:tc>
                 <a:extLst>
                   <a:ext uri="{0D108BD9-81ED-4DB2-BD59-A6C34878D82A}">
-                    <a16:rowId xmlns:a16="http://schemas.microsoft.com/office/drawing/2014/main" val="10003"/>
+                    <a16:rowId xmlns:a16="http://schemas.microsoft.com/office/drawing/2014/main" xmlns="" val="10003"/>
                   </a:ext>
                 </a:extLst>
               </a:tr>
@@ -27764,7 +27764,15 @@
           <a:p>
             <a:r>
               <a:rPr lang="en-US" dirty="0" smtClean="0"/>
-              <a:t>Step 2: Manual Scale</a:t>
+              <a:t>Step </a:t>
+            </a:r>
+            <a:r>
+              <a:rPr lang="en-US" dirty="0" smtClean="0"/>
+              <a:t>3: </a:t>
+            </a:r>
+            <a:r>
+              <a:rPr lang="en-US" dirty="0" smtClean="0"/>
+              <a:t>Manual Scale</a:t>
             </a:r>
             <a:endParaRPr lang="en-US" dirty="0"/>
           </a:p>
@@ -28025,7 +28033,15 @@
           <a:p>
             <a:r>
               <a:rPr lang="en-US" dirty="0" smtClean="0"/>
-              <a:t>Step 3: Auto-scale</a:t>
+              <a:t>Step </a:t>
+            </a:r>
+            <a:r>
+              <a:rPr lang="en-US" dirty="0" smtClean="0"/>
+              <a:t>4: </a:t>
+            </a:r>
+            <a:r>
+              <a:rPr lang="en-US" dirty="0" smtClean="0"/>
+              <a:t>Auto-scale</a:t>
             </a:r>
             <a:endParaRPr lang="en-US" dirty="0"/>
           </a:p>
@@ -28156,7 +28172,15 @@
           <a:p>
             <a:r>
               <a:rPr lang="en-US" dirty="0" smtClean="0"/>
-              <a:t>Step 2: Auto-scale</a:t>
+              <a:t>Step </a:t>
+            </a:r>
+            <a:r>
+              <a:rPr lang="en-US" dirty="0" smtClean="0"/>
+              <a:t>4: </a:t>
+            </a:r>
+            <a:r>
+              <a:rPr lang="en-US" dirty="0" smtClean="0"/>
+              <a:t>Auto-scale</a:t>
             </a:r>
             <a:endParaRPr lang="en-US" dirty="0"/>
           </a:p>
@@ -28611,89 +28635,6 @@
       </p:sp>
       <p:sp>
         <p:nvSpPr>
-          <p:cNvPr id="4" name="Slide Number Placeholder 3"/>
-          <p:cNvSpPr>
-            <a:spLocks noGrp="1"/>
-          </p:cNvSpPr>
-          <p:nvPr>
-            <p:ph type="sldNum" sz="quarter" idx="12"/>
-          </p:nvPr>
-        </p:nvSpPr>
-        <p:spPr/>
-        <p:txBody>
-          <a:bodyPr/>
-          <a:lstStyle/>
-          <a:p>
-            <a:pPr marL="0" marR="0" lvl="0" indent="0" algn="r" defTabSz="914400" rtl="0" eaLnBrk="1" fontAlgn="auto" latinLnBrk="0" hangingPunct="1">
-              <a:lnSpc>
-                <a:spcPct val="100000"/>
-              </a:lnSpc>
-              <a:spcBef>
-                <a:spcPts val="0"/>
-              </a:spcBef>
-              <a:spcAft>
-                <a:spcPts val="0"/>
-              </a:spcAft>
-              <a:buClrTx/>
-              <a:buSzTx/>
-              <a:buFontTx/>
-              <a:buNone/>
-              <a:tabLst/>
-              <a:defRPr/>
-            </a:pPr>
-            <a:fld id="{0A164282-434E-41D4-9582-783D542A7B68}" type="slidenum">
-              <a:rPr kumimoji="0" lang="en-US" sz="2000" b="0" i="0" u="none" strike="noStrike" kern="1200" cap="none" spc="0" normalizeH="0" baseline="0" noProof="0" smtClean="0">
-                <a:ln>
-                  <a:noFill/>
-                </a:ln>
-                <a:solidFill>
-                  <a:srgbClr val="289FD7"/>
-                </a:solidFill>
-                <a:effectLst/>
-                <a:uLnTx/>
-                <a:uFillTx/>
-                <a:latin typeface="Segoe UI Light"/>
-                <a:ea typeface="+mn-ea"/>
-                <a:cs typeface="+mn-cs"/>
-              </a:rPr>
-              <a:pPr marL="0" marR="0" lvl="0" indent="0" algn="r" defTabSz="914400" rtl="0" eaLnBrk="1" fontAlgn="auto" latinLnBrk="0" hangingPunct="1">
-                <a:lnSpc>
-                  <a:spcPct val="100000"/>
-                </a:lnSpc>
-                <a:spcBef>
-                  <a:spcPts val="0"/>
-                </a:spcBef>
-                <a:spcAft>
-                  <a:spcPts val="0"/>
-                </a:spcAft>
-                <a:buClrTx/>
-                <a:buSzTx/>
-                <a:buFontTx/>
-                <a:buNone/>
-                <a:tabLst/>
-                <a:defRPr/>
-              </a:pPr>
-              <a:t>2</a:t>
-            </a:fld>
-            <a:endParaRPr kumimoji="0" lang="en-US" sz="2000" b="0" i="0" u="none" strike="noStrike" kern="1200" cap="none" spc="0" normalizeH="0" baseline="0" noProof="0">
-              <a:ln>
-                <a:noFill/>
-              </a:ln>
-              <a:solidFill>
-                <a:srgbClr val="289FD7"/>
-              </a:solidFill>
-              <a:effectLst/>
-              <a:uLnTx/>
-              <a:uFillTx/>
-              <a:latin typeface="Segoe UI Light"/>
-              <a:ea typeface="+mn-ea"/>
-              <a:cs typeface="+mn-cs"/>
-            </a:endParaRPr>
-          </a:p>
-        </p:txBody>
-      </p:sp>
-      <p:sp>
-        <p:nvSpPr>
           <p:cNvPr id="5" name="Text Placeholder 4"/>
           <p:cNvSpPr>
             <a:spLocks noGrp="1"/>
@@ -28720,14 +28661,14 @@
           <p:nvPr>
             <p:extLst>
               <p:ext uri="{D42A27DB-BD31-4B8C-83A1-F6EECF244321}">
-                <p14:modId xmlns:p14="http://schemas.microsoft.com/office/powerpoint/2010/main" val="3427050831"/>
+                <p14:modId xmlns:p14="http://schemas.microsoft.com/office/powerpoint/2010/main" val="545873940"/>
               </p:ext>
             </p:extLst>
           </p:nvPr>
         </p:nvGraphicFramePr>
         <p:xfrm>
-          <a:off x="454816" y="1031200"/>
-          <a:ext cx="11483183" cy="5634204"/>
+          <a:off x="421864" y="1451247"/>
+          <a:ext cx="11483183" cy="4804969"/>
         </p:xfrm>
         <a:graphic>
           <a:graphicData uri="http://schemas.openxmlformats.org/drawingml/2006/table">
@@ -28739,21 +28680,21 @@
                 <a:gridCol w="8350512">
                   <a:extLst>
                     <a:ext uri="{9D8B030D-6E8A-4147-A177-3AD203B41FA5}">
-                      <a16:colId xmlns:a16="http://schemas.microsoft.com/office/drawing/2014/main" val="20000"/>
+                      <a16:colId xmlns:a16="http://schemas.microsoft.com/office/drawing/2014/main" xmlns="" val="20000"/>
                     </a:ext>
                   </a:extLst>
                 </a:gridCol>
                 <a:gridCol w="1662043">
                   <a:extLst>
                     <a:ext uri="{9D8B030D-6E8A-4147-A177-3AD203B41FA5}">
-                      <a16:colId xmlns:a16="http://schemas.microsoft.com/office/drawing/2014/main" val="20001"/>
+                      <a16:colId xmlns:a16="http://schemas.microsoft.com/office/drawing/2014/main" xmlns="" val="20001"/>
                     </a:ext>
                   </a:extLst>
                 </a:gridCol>
                 <a:gridCol w="1470628">
                   <a:extLst>
                     <a:ext uri="{9D8B030D-6E8A-4147-A177-3AD203B41FA5}">
-                      <a16:colId xmlns:a16="http://schemas.microsoft.com/office/drawing/2014/main" val="20002"/>
+                      <a16:colId xmlns:a16="http://schemas.microsoft.com/office/drawing/2014/main" xmlns="" val="20002"/>
                     </a:ext>
                   </a:extLst>
                 </a:gridCol>
@@ -28803,7 +28744,7 @@
                 </a:tc>
                 <a:extLst>
                   <a:ext uri="{0D108BD9-81ED-4DB2-BD59-A6C34878D82A}">
-                    <a16:rowId xmlns:a16="http://schemas.microsoft.com/office/drawing/2014/main" val="10000"/>
+                    <a16:rowId xmlns:a16="http://schemas.microsoft.com/office/drawing/2014/main" xmlns="" val="10000"/>
                   </a:ext>
                 </a:extLst>
               </a:tr>
@@ -28888,7 +28829,7 @@
                 </a:tc>
                 <a:extLst>
                   <a:ext uri="{0D108BD9-81ED-4DB2-BD59-A6C34878D82A}">
-                    <a16:rowId xmlns:a16="http://schemas.microsoft.com/office/drawing/2014/main" val="10001"/>
+                    <a16:rowId xmlns:a16="http://schemas.microsoft.com/office/drawing/2014/main" xmlns="" val="10001"/>
                   </a:ext>
                 </a:extLst>
               </a:tr>
@@ -28948,7 +28889,7 @@
                             <a:srgbClr val="000000"/>
                           </a:solidFill>
                         </a:rPr>
-                        <a:t>10:00</a:t>
+                        <a:t>10:45</a:t>
                       </a:r>
                       <a:endParaRPr lang="en-US" sz="2000" dirty="0">
                         <a:solidFill>
@@ -28961,7 +28902,7 @@
                 </a:tc>
                 <a:extLst>
                   <a:ext uri="{0D108BD9-81ED-4DB2-BD59-A6C34878D82A}">
-                    <a16:rowId xmlns:a16="http://schemas.microsoft.com/office/drawing/2014/main" val="10002"/>
+                    <a16:rowId xmlns:a16="http://schemas.microsoft.com/office/drawing/2014/main" xmlns="" val="10002"/>
                   </a:ext>
                 </a:extLst>
               </a:tr>
@@ -28977,7 +28918,7 @@
                             <a:srgbClr val="000000"/>
                           </a:solidFill>
                         </a:rPr>
-                        <a:t>Building Web Applications using the latest ASP.NET technologies</a:t>
+                        <a:t>Break</a:t>
                       </a:r>
                       <a:endParaRPr lang="en-US" sz="2000" dirty="0">
                         <a:solidFill>
@@ -28999,7 +28940,7 @@
                             <a:srgbClr val="000000"/>
                           </a:solidFill>
                         </a:rPr>
-                        <a:t>10:00</a:t>
+                        <a:t>10:45</a:t>
                       </a:r>
                       <a:endParaRPr lang="en-US" sz="2000" dirty="0">
                         <a:solidFill>
@@ -29034,11 +28975,11 @@
                 </a:tc>
                 <a:extLst>
                   <a:ext uri="{0D108BD9-81ED-4DB2-BD59-A6C34878D82A}">
-                    <a16:rowId xmlns:a16="http://schemas.microsoft.com/office/drawing/2014/main" val="10003"/>
+                    <a16:rowId xmlns:a16="http://schemas.microsoft.com/office/drawing/2014/main" xmlns="" val="10004"/>
                   </a:ext>
                 </a:extLst>
               </a:tr>
-              <a:tr h="409188">
+              <a:tr h="421237">
                 <a:tc>
                   <a:txBody>
                     <a:bodyPr/>
@@ -29050,7 +28991,7 @@
                             <a:srgbClr val="000000"/>
                           </a:solidFill>
                         </a:rPr>
-                        <a:t>Break</a:t>
+                        <a:t>Building Web Applications using the latest ASP.NET technologies</a:t>
                       </a:r>
                       <a:endParaRPr lang="en-US" sz="2000" dirty="0">
                         <a:solidFill>
@@ -29094,79 +29035,6 @@
                             <a:srgbClr val="000000"/>
                           </a:solidFill>
                         </a:rPr>
-                        <a:t>11:15</a:t>
-                      </a:r>
-                      <a:endParaRPr lang="en-US" sz="2000" dirty="0">
-                        <a:solidFill>
-                          <a:srgbClr val="000000"/>
-                        </a:solidFill>
-                      </a:endParaRPr>
-                    </a:p>
-                  </a:txBody>
-                  <a:tcPr marL="45720" marR="45720"/>
-                </a:tc>
-                <a:extLst>
-                  <a:ext uri="{0D108BD9-81ED-4DB2-BD59-A6C34878D82A}">
-                    <a16:rowId xmlns:a16="http://schemas.microsoft.com/office/drawing/2014/main" val="10004"/>
-                  </a:ext>
-                </a:extLst>
-              </a:tr>
-              <a:tr h="723948">
-                <a:tc>
-                  <a:txBody>
-                    <a:bodyPr/>
-                    <a:lstStyle/>
-                    <a:p>
-                      <a:r>
-                        <a:rPr lang="en-US" sz="2000" dirty="0" smtClean="0">
-                          <a:solidFill>
-                            <a:srgbClr val="000000"/>
-                          </a:solidFill>
-                        </a:rPr>
-                        <a:t>Building web front ends for both desktop and mobile using the latest web standards</a:t>
-                      </a:r>
-                      <a:endParaRPr lang="en-US" sz="2000" dirty="0">
-                        <a:solidFill>
-                          <a:srgbClr val="000000"/>
-                        </a:solidFill>
-                      </a:endParaRPr>
-                    </a:p>
-                  </a:txBody>
-                  <a:tcPr marL="45720" marR="45720"/>
-                </a:tc>
-                <a:tc>
-                  <a:txBody>
-                    <a:bodyPr/>
-                    <a:lstStyle/>
-                    <a:p>
-                      <a:r>
-                        <a:rPr lang="en-US" sz="2000" dirty="0" smtClean="0">
-                          <a:solidFill>
-                            <a:srgbClr val="000000"/>
-                          </a:solidFill>
-                        </a:rPr>
-                        <a:t>11:15</a:t>
-                      </a:r>
-                      <a:endParaRPr lang="en-US" sz="2000" dirty="0">
-                        <a:solidFill>
-                          <a:srgbClr val="000000"/>
-                        </a:solidFill>
-                      </a:endParaRPr>
-                    </a:p>
-                  </a:txBody>
-                  <a:tcPr marL="45720" marR="45720"/>
-                </a:tc>
-                <a:tc>
-                  <a:txBody>
-                    <a:bodyPr/>
-                    <a:lstStyle/>
-                    <a:p>
-                      <a:r>
-                        <a:rPr lang="en-US" sz="2000" dirty="0" smtClean="0">
-                          <a:solidFill>
-                            <a:srgbClr val="000000"/>
-                          </a:solidFill>
-                        </a:rPr>
                         <a:t>12:15</a:t>
                       </a:r>
                       <a:endParaRPr lang="en-US" sz="2000" dirty="0">
@@ -29180,7 +29048,7 @@
                 </a:tc>
                 <a:extLst>
                   <a:ext uri="{0D108BD9-81ED-4DB2-BD59-A6C34878D82A}">
-                    <a16:rowId xmlns:a16="http://schemas.microsoft.com/office/drawing/2014/main" val="10005"/>
+                    <a16:rowId xmlns:a16="http://schemas.microsoft.com/office/drawing/2014/main" xmlns="" val="10005"/>
                   </a:ext>
                 </a:extLst>
               </a:tr>
@@ -29253,7 +29121,7 @@
                 </a:tc>
                 <a:extLst>
                   <a:ext uri="{0D108BD9-81ED-4DB2-BD59-A6C34878D82A}">
-                    <a16:rowId xmlns:a16="http://schemas.microsoft.com/office/drawing/2014/main" val="10006"/>
+                    <a16:rowId xmlns:a16="http://schemas.microsoft.com/office/drawing/2014/main" xmlns="" val="10006"/>
                   </a:ext>
                 </a:extLst>
               </a:tr>
@@ -29269,7 +29137,7 @@
                             <a:srgbClr val="000000"/>
                           </a:solidFill>
                         </a:rPr>
-                        <a:t>API Services for both web and devices</a:t>
+                        <a:t>Building web front ends for both desktop and mobile using the latest web standards</a:t>
                       </a:r>
                       <a:endParaRPr lang="en-US" sz="2000" dirty="0">
                         <a:solidFill>
@@ -29324,11 +29192,6 @@
                   </a:txBody>
                   <a:tcPr marL="45720" marR="45720"/>
                 </a:tc>
-                <a:extLst>
-                  <a:ext uri="{0D108BD9-81ED-4DB2-BD59-A6C34878D82A}">
-                    <a16:rowId xmlns:a16="http://schemas.microsoft.com/office/drawing/2014/main" val="10007"/>
-                  </a:ext>
-                </a:extLst>
               </a:tr>
               <a:tr h="409188">
                 <a:tc>
@@ -29342,7 +29205,7 @@
                             <a:srgbClr val="000000"/>
                           </a:solidFill>
                         </a:rPr>
-                        <a:t>Running, improving and maintaining a site in the real world</a:t>
+                        <a:t>API Services for both web and devices</a:t>
                       </a:r>
                       <a:endParaRPr lang="en-US" sz="2000" dirty="0">
                         <a:solidFill>
@@ -29351,11 +29214,7 @@
                       </a:endParaRPr>
                     </a:p>
                   </a:txBody>
-                  <a:tcPr marL="45720" marR="45720">
-                    <a:solidFill>
-                      <a:srgbClr val="FFC000"/>
-                    </a:solidFill>
-                  </a:tcPr>
+                  <a:tcPr marL="45720" marR="45720"/>
                 </a:tc>
                 <a:tc>
                   <a:txBody>
@@ -29377,11 +29236,7 @@
                       </a:endParaRPr>
                     </a:p>
                   </a:txBody>
-                  <a:tcPr marL="45720" marR="45720">
-                    <a:solidFill>
-                      <a:srgbClr val="FFC000"/>
-                    </a:solidFill>
-                  </a:tcPr>
+                  <a:tcPr marL="45720" marR="45720"/>
                 </a:tc>
                 <a:tc>
                   <a:txBody>
@@ -29403,15 +29258,11 @@
                       </a:endParaRPr>
                     </a:p>
                   </a:txBody>
-                  <a:tcPr marL="45720" marR="45720">
-                    <a:solidFill>
-                      <a:srgbClr val="FFC000"/>
-                    </a:solidFill>
-                  </a:tcPr>
+                  <a:tcPr marL="45720" marR="45720"/>
                 </a:tc>
                 <a:extLst>
                   <a:ext uri="{0D108BD9-81ED-4DB2-BD59-A6C34878D82A}">
-                    <a16:rowId xmlns:a16="http://schemas.microsoft.com/office/drawing/2014/main" val="10008"/>
+                    <a16:rowId xmlns:a16="http://schemas.microsoft.com/office/drawing/2014/main" xmlns="" val="10007"/>
                   </a:ext>
                 </a:extLst>
               </a:tr>
@@ -29484,7 +29335,7 @@
                 </a:tc>
                 <a:extLst>
                   <a:ext uri="{0D108BD9-81ED-4DB2-BD59-A6C34878D82A}">
-                    <a16:rowId xmlns:a16="http://schemas.microsoft.com/office/drawing/2014/main" val="10009"/>
+                    <a16:rowId xmlns:a16="http://schemas.microsoft.com/office/drawing/2014/main" xmlns="" val="10009"/>
                   </a:ext>
                 </a:extLst>
               </a:tr>
@@ -29500,27 +29351,20 @@
                             <a:srgbClr val="000000"/>
                           </a:solidFill>
                         </a:rPr>
-                        <a:t>Real-time Communications</a:t>
+                        <a:t>Running, improving and maintaining a site in the real world</a:t>
                       </a:r>
-                      <a:r>
-                        <a:rPr lang="en-US" sz="2000" baseline="0" dirty="0" smtClean="0">
-                          <a:solidFill>
-                            <a:srgbClr val="000000"/>
-                          </a:solidFill>
-                        </a:rPr>
-                        <a:t> with </a:t>
-                      </a:r>
-                      <a:r>
-                        <a:rPr lang="en-US" sz="2000" dirty="0" smtClean="0">
-                          <a:solidFill>
-                            <a:srgbClr val="000000"/>
-                          </a:solidFill>
-                        </a:rPr>
-                        <a:t>SignalR</a:t>
-                      </a:r>
+                      <a:endParaRPr lang="en-US" sz="2000" dirty="0">
+                        <a:solidFill>
+                          <a:srgbClr val="000000"/>
+                        </a:solidFill>
+                      </a:endParaRPr>
                     </a:p>
                   </a:txBody>
-                  <a:tcPr marL="45720" marR="45720"/>
+                  <a:tcPr marL="45720" marR="45720">
+                    <a:solidFill>
+                      <a:schemeClr val="accent4"/>
+                    </a:solidFill>
+                  </a:tcPr>
                 </a:tc>
                 <a:tc>
                   <a:txBody>
@@ -29542,7 +29386,11 @@
                       </a:endParaRPr>
                     </a:p>
                   </a:txBody>
-                  <a:tcPr marL="45720" marR="45720"/>
+                  <a:tcPr marL="45720" marR="45720">
+                    <a:solidFill>
+                      <a:schemeClr val="accent4"/>
+                    </a:solidFill>
+                  </a:tcPr>
                 </a:tc>
                 <a:tc>
                   <a:txBody>
@@ -29555,7 +29403,7 @@
                             <a:srgbClr val="000000"/>
                           </a:solidFill>
                         </a:rPr>
-                        <a:t>4:00</a:t>
+                        <a:t>4:30</a:t>
                       </a:r>
                       <a:endParaRPr lang="en-US" sz="2000" dirty="0">
                         <a:solidFill>
@@ -29564,79 +29412,15 @@
                       </a:endParaRPr>
                     </a:p>
                   </a:txBody>
-                  <a:tcPr marL="45720" marR="45720"/>
+                  <a:tcPr marL="45720" marR="45720">
+                    <a:solidFill>
+                      <a:schemeClr val="accent4"/>
+                    </a:solidFill>
+                  </a:tcPr>
                 </a:tc>
                 <a:extLst>
                   <a:ext uri="{0D108BD9-81ED-4DB2-BD59-A6C34878D82A}">
-                    <a16:rowId xmlns:a16="http://schemas.microsoft.com/office/drawing/2014/main" val="10010"/>
-                  </a:ext>
-                </a:extLst>
-              </a:tr>
-              <a:tr h="409188">
-                <a:tc>
-                  <a:txBody>
-                    <a:bodyPr/>
-                    <a:lstStyle/>
-                    <a:p>
-                      <a:r>
-                        <a:rPr lang="en-US" sz="2000" dirty="0" smtClean="0">
-                          <a:solidFill>
-                            <a:srgbClr val="000000"/>
-                          </a:solidFill>
-                        </a:rPr>
-                        <a:t>ASP.NET 5 Preview</a:t>
-                      </a:r>
-                    </a:p>
-                  </a:txBody>
-                  <a:tcPr marL="45720" marR="45720"/>
-                </a:tc>
-                <a:tc>
-                  <a:txBody>
-                    <a:bodyPr/>
-                    <a:lstStyle/>
-                    <a:p>
-                      <a:r>
-                        <a:rPr lang="en-US" sz="2000" dirty="0" smtClean="0">
-                          <a:solidFill>
-                            <a:srgbClr val="000000"/>
-                          </a:solidFill>
-                        </a:rPr>
-                        <a:t>4:00</a:t>
-                      </a:r>
-                      <a:endParaRPr lang="en-US" sz="2000" dirty="0">
-                        <a:solidFill>
-                          <a:srgbClr val="000000"/>
-                        </a:solidFill>
-                      </a:endParaRPr>
-                    </a:p>
-                  </a:txBody>
-                  <a:tcPr marL="45720" marR="45720"/>
-                </a:tc>
-                <a:tc>
-                  <a:txBody>
-                    <a:bodyPr/>
-                    <a:lstStyle/>
-                    <a:p>
-                      <a:r>
-                        <a:rPr lang="en-US" sz="2000" dirty="0" smtClean="0">
-                          <a:solidFill>
-                            <a:srgbClr val="000000"/>
-                          </a:solidFill>
-                        </a:rPr>
-                        <a:t>4:45</a:t>
-                      </a:r>
-                      <a:endParaRPr lang="en-US" sz="2000" dirty="0">
-                        <a:solidFill>
-                          <a:srgbClr val="000000"/>
-                        </a:solidFill>
-                      </a:endParaRPr>
-                    </a:p>
-                  </a:txBody>
-                  <a:tcPr marL="45720" marR="45720"/>
-                </a:tc>
-                <a:extLst>
-                  <a:ext uri="{0D108BD9-81ED-4DB2-BD59-A6C34878D82A}">
-                    <a16:rowId xmlns:a16="http://schemas.microsoft.com/office/drawing/2014/main" val="4181698176"/>
+                    <a16:rowId xmlns:a16="http://schemas.microsoft.com/office/drawing/2014/main" xmlns="" val="10010"/>
                   </a:ext>
                 </a:extLst>
               </a:tr>
@@ -29682,7 +29466,7 @@
                             <a:srgbClr val="000000"/>
                           </a:solidFill>
                         </a:rPr>
-                        <a:t>4:45</a:t>
+                        <a:t>4:30</a:t>
                       </a:r>
                       <a:endParaRPr lang="en-US" sz="2000" dirty="0">
                         <a:solidFill>
@@ -29717,7 +29501,7 @@
                 </a:tc>
                 <a:extLst>
                   <a:ext uri="{0D108BD9-81ED-4DB2-BD59-A6C34878D82A}">
-                    <a16:rowId xmlns:a16="http://schemas.microsoft.com/office/drawing/2014/main" val="10011"/>
+                    <a16:rowId xmlns:a16="http://schemas.microsoft.com/office/drawing/2014/main" xmlns="" val="10011"/>
                   </a:ext>
                 </a:extLst>
               </a:tr>
@@ -33823,6 +33607,13 @@
   <p:clrMapOvr>
     <a:masterClrMapping/>
   </p:clrMapOvr>
+  <p:timing>
+    <p:tnLst>
+      <p:par>
+        <p:cTn id="1" dur="indefinite" restart="never" nodeType="tmRoot"/>
+      </p:par>
+    </p:tnLst>
+  </p:timing>
 </p:sld>
 </file>
 
@@ -34038,6 +33829,13 @@
   <p:clrMapOvr>
     <a:masterClrMapping/>
   </p:clrMapOvr>
+  <p:timing>
+    <p:tnLst>
+      <p:par>
+        <p:cTn id="1" dur="indefinite" restart="never" nodeType="tmRoot"/>
+      </p:par>
+    </p:tnLst>
+  </p:timing>
 </p:sld>
 </file>
 
